--- a/Capstone Presentation.pptx
+++ b/Capstone Presentation.pptx
@@ -7,12 +7,14 @@
   <p:sldIdLst>
     <p:sldId id="256" r:id="rId2"/>
     <p:sldId id="257" r:id="rId3"/>
-    <p:sldId id="258" r:id="rId4"/>
-    <p:sldId id="259" r:id="rId5"/>
-    <p:sldId id="260" r:id="rId6"/>
-    <p:sldId id="261" r:id="rId7"/>
-    <p:sldId id="262" r:id="rId8"/>
-    <p:sldId id="263" r:id="rId9"/>
+    <p:sldId id="264" r:id="rId4"/>
+    <p:sldId id="258" r:id="rId5"/>
+    <p:sldId id="259" r:id="rId6"/>
+    <p:sldId id="260" r:id="rId7"/>
+    <p:sldId id="261" r:id="rId8"/>
+    <p:sldId id="262" r:id="rId9"/>
+    <p:sldId id="265" r:id="rId10"/>
+    <p:sldId id="263" r:id="rId11"/>
   </p:sldIdLst>
   <p:sldSz cx="12192000" cy="6858000"/>
   <p:notesSz cx="6858000" cy="9144000"/>
@@ -111,6 +113,11 @@
       </a:defRPr>
     </a:lvl9pPr>
   </p:defaultTextStyle>
+  <p:extLst>
+    <p:ext uri="{EFAFB233-063F-42B5-8137-9DF3F51BA10A}">
+      <p15:sldGuideLst xmlns:p15="http://schemas.microsoft.com/office/powerpoint/2012/main"/>
+    </p:ext>
+  </p:extLst>
 </p:presentation>
 </file>
 
@@ -339,7 +346,7 @@
             <a:fld id="{5586B75A-687E-405C-8A0B-8D00578BA2C3}" type="datetimeFigureOut">
               <a:rPr lang="en-US" dirty="0"/>
               <a:pPr/>
-              <a:t>11/15/2020</a:t>
+              <a:t>11/16/2020</a:t>
             </a:fld>
             <a:endParaRPr lang="en-US" dirty="0"/>
           </a:p>
@@ -506,7 +513,7 @@
             <a:fld id="{5586B75A-687E-405C-8A0B-8D00578BA2C3}" type="datetimeFigureOut">
               <a:rPr lang="en-US" dirty="0"/>
               <a:pPr/>
-              <a:t>11/15/2020</a:t>
+              <a:t>11/16/2020</a:t>
             </a:fld>
             <a:endParaRPr lang="en-US" dirty="0"/>
           </a:p>
@@ -683,7 +690,7 @@
             <a:fld id="{5586B75A-687E-405C-8A0B-8D00578BA2C3}" type="datetimeFigureOut">
               <a:rPr lang="en-US" dirty="0"/>
               <a:pPr/>
-              <a:t>11/15/2020</a:t>
+              <a:t>11/16/2020</a:t>
             </a:fld>
             <a:endParaRPr lang="en-US" dirty="0"/>
           </a:p>
@@ -850,7 +857,7 @@
             <a:fld id="{5586B75A-687E-405C-8A0B-8D00578BA2C3}" type="datetimeFigureOut">
               <a:rPr lang="en-US" dirty="0"/>
               <a:pPr/>
-              <a:t>11/15/2020</a:t>
+              <a:t>11/16/2020</a:t>
             </a:fld>
             <a:endParaRPr lang="en-US" dirty="0"/>
           </a:p>
@@ -1105,7 +1112,7 @@
             <a:fld id="{5586B75A-687E-405C-8A0B-8D00578BA2C3}" type="datetimeFigureOut">
               <a:rPr lang="en-US" dirty="0"/>
               <a:pPr/>
-              <a:t>11/15/2020</a:t>
+              <a:t>11/16/2020</a:t>
             </a:fld>
             <a:endParaRPr lang="en-US" dirty="0"/>
           </a:p>
@@ -1390,7 +1397,7 @@
             <a:fld id="{5586B75A-687E-405C-8A0B-8D00578BA2C3}" type="datetimeFigureOut">
               <a:rPr lang="en-US" dirty="0"/>
               <a:pPr/>
-              <a:t>11/15/2020</a:t>
+              <a:t>11/16/2020</a:t>
             </a:fld>
             <a:endParaRPr lang="en-US" dirty="0"/>
           </a:p>
@@ -1829,7 +1836,7 @@
             <a:fld id="{5586B75A-687E-405C-8A0B-8D00578BA2C3}" type="datetimeFigureOut">
               <a:rPr lang="en-US" dirty="0"/>
               <a:pPr/>
-              <a:t>11/15/2020</a:t>
+              <a:t>11/16/2020</a:t>
             </a:fld>
             <a:endParaRPr lang="en-US" dirty="0"/>
           </a:p>
@@ -1944,7 +1951,7 @@
             <a:fld id="{5586B75A-687E-405C-8A0B-8D00578BA2C3}" type="datetimeFigureOut">
               <a:rPr lang="en-US" dirty="0"/>
               <a:pPr/>
-              <a:t>11/15/2020</a:t>
+              <a:t>11/16/2020</a:t>
             </a:fld>
             <a:endParaRPr lang="en-US" dirty="0"/>
           </a:p>
@@ -2036,7 +2043,7 @@
             <a:fld id="{5586B75A-687E-405C-8A0B-8D00578BA2C3}" type="datetimeFigureOut">
               <a:rPr lang="en-US" dirty="0"/>
               <a:pPr/>
-              <a:t>11/15/2020</a:t>
+              <a:t>11/16/2020</a:t>
             </a:fld>
             <a:endParaRPr lang="en-US" dirty="0"/>
           </a:p>
@@ -2321,7 +2328,7 @@
             <a:fld id="{5586B75A-687E-405C-8A0B-8D00578BA2C3}" type="datetimeFigureOut">
               <a:rPr lang="en-US" dirty="0"/>
               <a:pPr/>
-              <a:t>11/15/2020</a:t>
+              <a:t>11/16/2020</a:t>
             </a:fld>
             <a:endParaRPr lang="en-US" dirty="0"/>
           </a:p>
@@ -2591,7 +2598,7 @@
             <a:fld id="{5586B75A-687E-405C-8A0B-8D00578BA2C3}" type="datetimeFigureOut">
               <a:rPr lang="en-US" dirty="0"/>
               <a:pPr/>
-              <a:t>11/15/2020</a:t>
+              <a:t>11/16/2020</a:t>
             </a:fld>
             <a:endParaRPr lang="en-US" dirty="0"/>
           </a:p>
@@ -2885,7 +2892,7 @@
             <a:fld id="{5586B75A-687E-405C-8A0B-8D00578BA2C3}" type="datetimeFigureOut">
               <a:rPr lang="en-US" dirty="0"/>
               <a:pPr/>
-              <a:t>11/15/2020</a:t>
+              <a:t>11/16/2020</a:t>
             </a:fld>
             <a:endParaRPr lang="en-US" dirty="0"/>
           </a:p>
@@ -3484,6 +3491,213 @@
 </p:sld>
 </file>
 
+<file path=ppt/slides/slide10.xml><?xml version="1.0" encoding="utf-8"?>
+<p:sld xmlns:a="http://schemas.openxmlformats.org/drawingml/2006/main" xmlns:r="http://schemas.openxmlformats.org/officeDocument/2006/relationships" xmlns:p="http://schemas.openxmlformats.org/presentationml/2006/main">
+  <p:cSld>
+    <p:spTree>
+      <p:nvGrpSpPr>
+        <p:cNvPr id="1" name=""/>
+        <p:cNvGrpSpPr/>
+        <p:nvPr/>
+      </p:nvGrpSpPr>
+      <p:grpSpPr>
+        <a:xfrm>
+          <a:off x="0" y="0"/>
+          <a:ext cx="0" cy="0"/>
+          <a:chOff x="0" y="0"/>
+          <a:chExt cx="0" cy="0"/>
+        </a:xfrm>
+      </p:grpSpPr>
+      <p:sp>
+        <p:nvSpPr>
+          <p:cNvPr id="2" name="Title 1">
+            <a:extLst>
+              <a:ext uri="{FF2B5EF4-FFF2-40B4-BE49-F238E27FC236}">
+                <a16:creationId xmlns:a16="http://schemas.microsoft.com/office/drawing/2014/main" id="{58C71A0B-4AA2-4912-AE3C-F075B412EEA4}"/>
+              </a:ext>
+            </a:extLst>
+          </p:cNvPr>
+          <p:cNvSpPr>
+            <a:spLocks noGrp="1"/>
+          </p:cNvSpPr>
+          <p:nvPr>
+            <p:ph type="title"/>
+          </p:nvPr>
+        </p:nvSpPr>
+        <p:spPr/>
+        <p:txBody>
+          <a:bodyPr/>
+          <a:lstStyle/>
+          <a:p>
+            <a:r>
+              <a:rPr lang="en-GB" dirty="0"/>
+              <a:t>Conclusion</a:t>
+            </a:r>
+            <a:endParaRPr lang="en-US" dirty="0"/>
+          </a:p>
+        </p:txBody>
+      </p:sp>
+      <p:sp>
+        <p:nvSpPr>
+          <p:cNvPr id="3" name="Content Placeholder 2">
+            <a:extLst>
+              <a:ext uri="{FF2B5EF4-FFF2-40B4-BE49-F238E27FC236}">
+                <a16:creationId xmlns:a16="http://schemas.microsoft.com/office/drawing/2014/main" id="{9A974476-A31B-41B4-A742-A7AC0E0B204D}"/>
+              </a:ext>
+            </a:extLst>
+          </p:cNvPr>
+          <p:cNvSpPr>
+            <a:spLocks noGrp="1"/>
+          </p:cNvSpPr>
+          <p:nvPr>
+            <p:ph idx="1"/>
+          </p:nvPr>
+        </p:nvSpPr>
+        <p:spPr/>
+        <p:txBody>
+          <a:bodyPr>
+            <a:normAutofit fontScale="85000" lnSpcReduction="20000"/>
+          </a:bodyPr>
+          <a:lstStyle/>
+          <a:p>
+            <a:pPr marL="0" indent="0">
+              <a:buNone/>
+            </a:pPr>
+            <a:r>
+              <a:rPr lang="en-GB" b="1" dirty="0"/>
+              <a:t>Types of Collisions</a:t>
+            </a:r>
+          </a:p>
+          <a:p>
+            <a:r>
+              <a:rPr lang="en-GB" dirty="0"/>
+              <a:t>Good level of initial insight on the distribution of the collisions based on Part 1 analysis</a:t>
+            </a:r>
+          </a:p>
+          <a:p>
+            <a:r>
+              <a:rPr lang="en-GB" dirty="0"/>
+              <a:t>Clearly shown that collisions are not evenly distributed across variables (except Time of Year) </a:t>
+            </a:r>
+          </a:p>
+          <a:p>
+            <a:r>
+              <a:rPr lang="en-GB" dirty="0"/>
+              <a:t>Deduced that more collisions happen under certain conditions</a:t>
+            </a:r>
+          </a:p>
+          <a:p>
+            <a:pPr marL="0" indent="0">
+              <a:buNone/>
+            </a:pPr>
+            <a:r>
+              <a:rPr lang="en-GB" dirty="0"/>
+              <a:t>BUT</a:t>
+            </a:r>
+          </a:p>
+          <a:p>
+            <a:r>
+              <a:rPr lang="en-GB" dirty="0"/>
+              <a:t>In the absence of broader underlying journey dataset and road conditions across </a:t>
+            </a:r>
+            <a:r>
+              <a:rPr lang="en-GB" b="1" u="sng" dirty="0"/>
+              <a:t>all</a:t>
+            </a:r>
+            <a:r>
+              <a:rPr lang="en-GB" b="1" dirty="0"/>
+              <a:t> </a:t>
+            </a:r>
+            <a:r>
+              <a:rPr lang="en-GB" dirty="0"/>
+              <a:t>journeys, not possible to definitively confirm if certain conditions are more likely to cause collisions for a given journey</a:t>
+            </a:r>
+          </a:p>
+          <a:p>
+            <a:endParaRPr lang="en-GB" dirty="0"/>
+          </a:p>
+          <a:p>
+            <a:pPr marL="0" indent="0">
+              <a:buNone/>
+            </a:pPr>
+            <a:r>
+              <a:rPr lang="en-GB" sz="2100" b="1" dirty="0"/>
+              <a:t>Severity of Collisions</a:t>
+            </a:r>
+          </a:p>
+          <a:p>
+            <a:r>
+              <a:rPr lang="en-GB" dirty="0"/>
+              <a:t>No specific conditions which will lead to a Severity 2 collision being more likely to happen than a Severity 1 collision</a:t>
+            </a:r>
+          </a:p>
+          <a:p>
+            <a:pPr marL="0" indent="0">
+              <a:buNone/>
+            </a:pPr>
+            <a:r>
+              <a:rPr lang="en-US" dirty="0"/>
+              <a:t>BUT</a:t>
+            </a:r>
+          </a:p>
+          <a:p>
+            <a:r>
+              <a:rPr lang="en-GB" dirty="0"/>
+              <a:t>Further analysis is merited to explore if other categories of data may yield a different result</a:t>
+            </a:r>
+            <a:endParaRPr lang="en-US" dirty="0"/>
+          </a:p>
+        </p:txBody>
+      </p:sp>
+      <p:cxnSp>
+        <p:nvCxnSpPr>
+          <p:cNvPr id="5" name="Straight Connector 4">
+            <a:extLst>
+              <a:ext uri="{FF2B5EF4-FFF2-40B4-BE49-F238E27FC236}">
+                <a16:creationId xmlns:a16="http://schemas.microsoft.com/office/drawing/2014/main" id="{67598EFC-C1DC-46BE-A494-9EE834564098}"/>
+              </a:ext>
+            </a:extLst>
+          </p:cNvPr>
+          <p:cNvCxnSpPr/>
+          <p:nvPr/>
+        </p:nvCxnSpPr>
+        <p:spPr>
+          <a:xfrm>
+            <a:off x="3900196" y="3900196"/>
+            <a:ext cx="7147249" cy="0"/>
+          </a:xfrm>
+          <a:prstGeom prst="line">
+            <a:avLst/>
+          </a:prstGeom>
+        </p:spPr>
+        <p:style>
+          <a:lnRef idx="1">
+            <a:schemeClr val="accent1"/>
+          </a:lnRef>
+          <a:fillRef idx="0">
+            <a:schemeClr val="accent1"/>
+          </a:fillRef>
+          <a:effectRef idx="0">
+            <a:schemeClr val="accent1"/>
+          </a:effectRef>
+          <a:fontRef idx="minor">
+            <a:schemeClr val="tx1"/>
+          </a:fontRef>
+        </p:style>
+      </p:cxnSp>
+    </p:spTree>
+    <p:extLst>
+      <p:ext uri="{BB962C8B-B14F-4D97-AF65-F5344CB8AC3E}">
+        <p14:creationId xmlns:p14="http://schemas.microsoft.com/office/powerpoint/2010/main" val="1816631762"/>
+      </p:ext>
+    </p:extLst>
+  </p:cSld>
+  <p:clrMapOvr>
+    <a:masterClrMapping/>
+  </p:clrMapOvr>
+</p:sld>
+</file>
+
 <file path=ppt/slides/slide2.xml><?xml version="1.0" encoding="utf-8"?>
 <p:sld xmlns:a="http://schemas.openxmlformats.org/drawingml/2006/main" xmlns:r="http://schemas.openxmlformats.org/officeDocument/2006/relationships" xmlns:p="http://schemas.openxmlformats.org/presentationml/2006/main">
   <p:cSld>
@@ -3570,6 +3784,23 @@
             </a:r>
           </a:p>
           <a:p>
+            <a:pPr marL="0" indent="0">
+              <a:lnSpc>
+                <a:spcPct val="115000"/>
+              </a:lnSpc>
+              <a:buNone/>
+            </a:pPr>
+            <a:endParaRPr lang="en-US" sz="1800" b="0" dirty="0">
+              <a:solidFill>
+                <a:srgbClr val="082A75"/>
+              </a:solidFill>
+              <a:effectLst/>
+              <a:latin typeface="Calibri" panose="020F0502020204030204" pitchFamily="34" charset="0"/>
+              <a:ea typeface="MS Mincho" panose="02020609040205080304" pitchFamily="49" charset="-128"/>
+              <a:cs typeface="Times New Roman" panose="02020603050405020304" pitchFamily="18" charset="0"/>
+            </a:endParaRPr>
+          </a:p>
+          <a:p>
             <a:r>
               <a:rPr lang="en-US" sz="1800" dirty="0">
                 <a:solidFill>
@@ -3603,7 +3834,43 @@
                 <a:ea typeface="MS Mincho" panose="02020609040205080304" pitchFamily="49" charset="-128"/>
                 <a:cs typeface="Times New Roman" panose="02020603050405020304" pitchFamily="18" charset="0"/>
               </a:rPr>
-              <a:t>will help users in determining the appetite for undertaking particular journeys or perhaps assist insurers in determining the premium level which should be applied to insurance. </a:t>
+              <a:t>will help users </a:t>
+            </a:r>
+          </a:p>
+          <a:p>
+            <a:pPr marL="719138" lvl="1" indent="-457200">
+              <a:buFont typeface="+mj-lt"/>
+              <a:buAutoNum type="arabicPeriod"/>
+            </a:pPr>
+            <a:r>
+              <a:rPr lang="en-US" dirty="0">
+                <a:solidFill>
+                  <a:srgbClr val="082A75"/>
+                </a:solidFill>
+                <a:effectLst/>
+                <a:latin typeface="Calibri" panose="020F0502020204030204" pitchFamily="34" charset="0"/>
+                <a:ea typeface="MS Mincho" panose="02020609040205080304" pitchFamily="49" charset="-128"/>
+                <a:cs typeface="Times New Roman" panose="02020603050405020304" pitchFamily="18" charset="0"/>
+              </a:rPr>
+              <a:t>in determining the appetite for undertaking particular journeys; or</a:t>
+            </a:r>
+          </a:p>
+          <a:p>
+            <a:pPr marL="719138" lvl="1" indent="-457200">
+              <a:buFont typeface="+mj-lt"/>
+              <a:buAutoNum type="arabicPeriod"/>
+            </a:pPr>
+            <a:r>
+              <a:rPr lang="en-US" dirty="0">
+                <a:solidFill>
+                  <a:srgbClr val="082A75"/>
+                </a:solidFill>
+                <a:effectLst/>
+                <a:latin typeface="Calibri" panose="020F0502020204030204" pitchFamily="34" charset="0"/>
+                <a:ea typeface="MS Mincho" panose="02020609040205080304" pitchFamily="49" charset="-128"/>
+                <a:cs typeface="Times New Roman" panose="02020603050405020304" pitchFamily="18" charset="0"/>
+              </a:rPr>
+              <a:t>assist insurers in determining the premium level which should be applied to insurance. </a:t>
             </a:r>
             <a:endParaRPr lang="en-US" dirty="0"/>
           </a:p>
@@ -3644,7 +3911,7 @@
           <p:cNvPr id="2" name="Title 1">
             <a:extLst>
               <a:ext uri="{FF2B5EF4-FFF2-40B4-BE49-F238E27FC236}">
-                <a16:creationId xmlns:a16="http://schemas.microsoft.com/office/drawing/2014/main" id="{DEEF0BEF-3B66-4B04-A19B-B8525516E654}"/>
+                <a16:creationId xmlns:a16="http://schemas.microsoft.com/office/drawing/2014/main" id="{D12A3911-9399-4D92-B439-90984C3E3173}"/>
               </a:ext>
             </a:extLst>
           </p:cNvPr>
@@ -3662,18 +3929,18 @@
           <a:p>
             <a:r>
               <a:rPr lang="en-GB" dirty="0"/>
-              <a:t>The Data</a:t>
-            </a:r>
-            <a:endParaRPr lang="en-US" dirty="0"/>
-          </a:p>
-        </p:txBody>
-      </p:sp>
-      <p:sp>
-        <p:nvSpPr>
-          <p:cNvPr id="3" name="Content Placeholder 2">
+              <a:t>The Analysis</a:t>
+            </a:r>
+            <a:endParaRPr lang="en-US" dirty="0"/>
+          </a:p>
+        </p:txBody>
+      </p:sp>
+      <p:sp>
+        <p:nvSpPr>
+          <p:cNvPr id="3" name="Text Placeholder 2">
             <a:extLst>
               <a:ext uri="{FF2B5EF4-FFF2-40B4-BE49-F238E27FC236}">
-                <a16:creationId xmlns:a16="http://schemas.microsoft.com/office/drawing/2014/main" id="{9E8F9C14-290B-47BC-AE8F-8A0941AF7348}"/>
+                <a16:creationId xmlns:a16="http://schemas.microsoft.com/office/drawing/2014/main" id="{ABF35BDC-6B1E-4D5F-866C-FA8F4CE941F6}"/>
               </a:ext>
             </a:extLst>
           </p:cNvPr>
@@ -3681,7 +3948,7 @@
             <a:spLocks noGrp="1"/>
           </p:cNvSpPr>
           <p:nvPr>
-            <p:ph idx="1"/>
+            <p:ph type="body" idx="1"/>
           </p:nvPr>
         </p:nvSpPr>
         <p:spPr/>
@@ -3689,69 +3956,14 @@
           <a:bodyPr/>
           <a:lstStyle/>
           <a:p>
-            <a:r>
-              <a:rPr lang="en-GB" dirty="0"/>
-              <a:t>The dataset is based on publicly available collision data for the Seattle and as captured by Seattle Police Department and includes dataset contains collision data from 2004 to present.  </a:t>
-            </a:r>
-          </a:p>
-          <a:p>
-            <a:endParaRPr lang="en-GB" dirty="0"/>
-          </a:p>
-          <a:p>
-            <a:r>
-              <a:rPr lang="en-GB" dirty="0"/>
-              <a:t>For the purpose of this evaluation, the dataset was consolidated down to focus on the following attributes which forms the main element of our modelling:</a:t>
-            </a:r>
-          </a:p>
-          <a:p>
-            <a:pPr lvl="1"/>
-            <a:r>
-              <a:rPr lang="en-GB" dirty="0"/>
-              <a:t>Severity Descriptions</a:t>
-            </a:r>
-          </a:p>
-          <a:p>
-            <a:pPr lvl="1"/>
-            <a:r>
-              <a:rPr lang="en-GB" dirty="0"/>
-              <a:t>Incident Date</a:t>
-            </a:r>
-          </a:p>
-          <a:p>
-            <a:pPr lvl="1"/>
-            <a:r>
-              <a:rPr lang="en-GB" dirty="0"/>
-              <a:t>Incident Time</a:t>
-            </a:r>
-          </a:p>
-          <a:p>
-            <a:pPr lvl="1"/>
-            <a:r>
-              <a:rPr lang="en-GB" dirty="0"/>
-              <a:t>Weather Conditions</a:t>
-            </a:r>
-          </a:p>
-          <a:p>
-            <a:pPr lvl="1"/>
-            <a:r>
-              <a:rPr lang="en-GB" dirty="0"/>
-              <a:t>Light Conditions</a:t>
-            </a:r>
-          </a:p>
-          <a:p>
-            <a:pPr lvl="1"/>
-            <a:r>
-              <a:rPr lang="en-GB" dirty="0"/>
-              <a:t>Road Conditions</a:t>
-            </a:r>
-            <a:endParaRPr lang="en-US" dirty="0"/>
+            <a:endParaRPr lang="en-US"/>
           </a:p>
         </p:txBody>
       </p:sp>
     </p:spTree>
     <p:extLst>
       <p:ext uri="{BB962C8B-B14F-4D97-AF65-F5344CB8AC3E}">
-        <p14:creationId xmlns:p14="http://schemas.microsoft.com/office/powerpoint/2010/main" val="328176935"/>
+        <p14:creationId xmlns:p14="http://schemas.microsoft.com/office/powerpoint/2010/main" val="1193938822"/>
       </p:ext>
     </p:extLst>
   </p:cSld>
@@ -3783,6 +3995,145 @@
           <p:cNvPr id="2" name="Title 1">
             <a:extLst>
               <a:ext uri="{FF2B5EF4-FFF2-40B4-BE49-F238E27FC236}">
+                <a16:creationId xmlns:a16="http://schemas.microsoft.com/office/drawing/2014/main" id="{DEEF0BEF-3B66-4B04-A19B-B8525516E654}"/>
+              </a:ext>
+            </a:extLst>
+          </p:cNvPr>
+          <p:cNvSpPr>
+            <a:spLocks noGrp="1"/>
+          </p:cNvSpPr>
+          <p:nvPr>
+            <p:ph type="title"/>
+          </p:nvPr>
+        </p:nvSpPr>
+        <p:spPr/>
+        <p:txBody>
+          <a:bodyPr/>
+          <a:lstStyle/>
+          <a:p>
+            <a:r>
+              <a:rPr lang="en-GB" dirty="0"/>
+              <a:t>The Data</a:t>
+            </a:r>
+            <a:endParaRPr lang="en-US" dirty="0"/>
+          </a:p>
+        </p:txBody>
+      </p:sp>
+      <p:sp>
+        <p:nvSpPr>
+          <p:cNvPr id="3" name="Content Placeholder 2">
+            <a:extLst>
+              <a:ext uri="{FF2B5EF4-FFF2-40B4-BE49-F238E27FC236}">
+                <a16:creationId xmlns:a16="http://schemas.microsoft.com/office/drawing/2014/main" id="{9E8F9C14-290B-47BC-AE8F-8A0941AF7348}"/>
+              </a:ext>
+            </a:extLst>
+          </p:cNvPr>
+          <p:cNvSpPr>
+            <a:spLocks noGrp="1"/>
+          </p:cNvSpPr>
+          <p:nvPr>
+            <p:ph idx="1"/>
+          </p:nvPr>
+        </p:nvSpPr>
+        <p:spPr/>
+        <p:txBody>
+          <a:bodyPr/>
+          <a:lstStyle/>
+          <a:p>
+            <a:r>
+              <a:rPr lang="en-GB" dirty="0"/>
+              <a:t>The dataset is based on publicly available collision data for the Seattle and as captured by Seattle Police Department and includes dataset contains collision data from 2004 to present.  </a:t>
+            </a:r>
+          </a:p>
+          <a:p>
+            <a:endParaRPr lang="en-GB" dirty="0"/>
+          </a:p>
+          <a:p>
+            <a:r>
+              <a:rPr lang="en-GB" dirty="0"/>
+              <a:t>For the purpose of this evaluation, the dataset was consolidated down to focus on the following attributes which forms the main element of our modelling:</a:t>
+            </a:r>
+          </a:p>
+          <a:p>
+            <a:pPr lvl="1"/>
+            <a:r>
+              <a:rPr lang="en-GB" dirty="0"/>
+              <a:t>Severity Descriptions</a:t>
+            </a:r>
+          </a:p>
+          <a:p>
+            <a:pPr lvl="1"/>
+            <a:r>
+              <a:rPr lang="en-GB" dirty="0"/>
+              <a:t>Incident Date</a:t>
+            </a:r>
+          </a:p>
+          <a:p>
+            <a:pPr lvl="1"/>
+            <a:r>
+              <a:rPr lang="en-GB" dirty="0"/>
+              <a:t>Incident Time</a:t>
+            </a:r>
+          </a:p>
+          <a:p>
+            <a:pPr lvl="1"/>
+            <a:r>
+              <a:rPr lang="en-GB" dirty="0"/>
+              <a:t>Weather Conditions</a:t>
+            </a:r>
+          </a:p>
+          <a:p>
+            <a:pPr lvl="1"/>
+            <a:r>
+              <a:rPr lang="en-GB" dirty="0"/>
+              <a:t>Light Conditions</a:t>
+            </a:r>
+          </a:p>
+          <a:p>
+            <a:pPr lvl="1"/>
+            <a:r>
+              <a:rPr lang="en-GB" dirty="0"/>
+              <a:t>Road Conditions</a:t>
+            </a:r>
+            <a:endParaRPr lang="en-US" dirty="0"/>
+          </a:p>
+        </p:txBody>
+      </p:sp>
+    </p:spTree>
+    <p:extLst>
+      <p:ext uri="{BB962C8B-B14F-4D97-AF65-F5344CB8AC3E}">
+        <p14:creationId xmlns:p14="http://schemas.microsoft.com/office/powerpoint/2010/main" val="328176935"/>
+      </p:ext>
+    </p:extLst>
+  </p:cSld>
+  <p:clrMapOvr>
+    <a:masterClrMapping/>
+  </p:clrMapOvr>
+</p:sld>
+</file>
+
+<file path=ppt/slides/slide5.xml><?xml version="1.0" encoding="utf-8"?>
+<p:sld xmlns:a="http://schemas.openxmlformats.org/drawingml/2006/main" xmlns:r="http://schemas.openxmlformats.org/officeDocument/2006/relationships" xmlns:p="http://schemas.openxmlformats.org/presentationml/2006/main">
+  <p:cSld>
+    <p:spTree>
+      <p:nvGrpSpPr>
+        <p:cNvPr id="1" name=""/>
+        <p:cNvGrpSpPr/>
+        <p:nvPr/>
+      </p:nvGrpSpPr>
+      <p:grpSpPr>
+        <a:xfrm>
+          <a:off x="0" y="0"/>
+          <a:ext cx="0" cy="0"/>
+          <a:chOff x="0" y="0"/>
+          <a:chExt cx="0" cy="0"/>
+        </a:xfrm>
+      </p:grpSpPr>
+      <p:sp>
+        <p:nvSpPr>
+          <p:cNvPr id="2" name="Title 1">
+            <a:extLst>
+              <a:ext uri="{FF2B5EF4-FFF2-40B4-BE49-F238E27FC236}">
                 <a16:creationId xmlns:a16="http://schemas.microsoft.com/office/drawing/2014/main" id="{53797629-872D-453E-9201-9EED6126D5BC}"/>
               </a:ext>
             </a:extLst>
@@ -3899,7 +4250,7 @@
 </p:sld>
 </file>
 
-<file path=ppt/slides/slide5.xml><?xml version="1.0" encoding="utf-8"?>
+<file path=ppt/slides/slide6.xml><?xml version="1.0" encoding="utf-8"?>
 <p:sld xmlns:a="http://schemas.openxmlformats.org/drawingml/2006/main" xmlns:r="http://schemas.openxmlformats.org/officeDocument/2006/relationships" xmlns:p="http://schemas.openxmlformats.org/presentationml/2006/main">
   <p:cSld>
     <p:spTree>
@@ -4227,7 +4578,7 @@
 </p:sld>
 </file>
 
-<file path=ppt/slides/slide6.xml><?xml version="1.0" encoding="utf-8"?>
+<file path=ppt/slides/slide7.xml><?xml version="1.0" encoding="utf-8"?>
 <p:sld xmlns:a="http://schemas.openxmlformats.org/drawingml/2006/main" xmlns:r="http://schemas.openxmlformats.org/officeDocument/2006/relationships" xmlns:p="http://schemas.openxmlformats.org/presentationml/2006/main">
   <p:cSld>
     <p:spTree>
@@ -4570,7 +4921,7 @@
 </p:sld>
 </file>
 
-<file path=ppt/slides/slide7.xml><?xml version="1.0" encoding="utf-8"?>
+<file path=ppt/slides/slide8.xml><?xml version="1.0" encoding="utf-8"?>
 <p:sld xmlns:a="http://schemas.openxmlformats.org/drawingml/2006/main" xmlns:r="http://schemas.openxmlformats.org/officeDocument/2006/relationships" xmlns:p="http://schemas.openxmlformats.org/presentationml/2006/main">
   <p:cSld>
     <p:spTree>
@@ -5002,7 +5353,7 @@
 </p:sld>
 </file>
 
-<file path=ppt/slides/slide8.xml><?xml version="1.0" encoding="utf-8"?>
+<file path=ppt/slides/slide9.xml><?xml version="1.0" encoding="utf-8"?>
 <p:sld xmlns:a="http://schemas.openxmlformats.org/drawingml/2006/main" xmlns:r="http://schemas.openxmlformats.org/officeDocument/2006/relationships" xmlns:p="http://schemas.openxmlformats.org/presentationml/2006/main">
   <p:cSld>
     <p:spTree>
@@ -5024,7 +5375,7 @@
           <p:cNvPr id="2" name="Title 1">
             <a:extLst>
               <a:ext uri="{FF2B5EF4-FFF2-40B4-BE49-F238E27FC236}">
-                <a16:creationId xmlns:a16="http://schemas.microsoft.com/office/drawing/2014/main" id="{58C71A0B-4AA2-4912-AE3C-F075B412EEA4}"/>
+                <a16:creationId xmlns:a16="http://schemas.microsoft.com/office/drawing/2014/main" id="{5DC0E15D-CFE7-4878-A956-F7BB4540AED3}"/>
               </a:ext>
             </a:extLst>
           </p:cNvPr>
@@ -5041,19 +5392,19 @@
           <a:lstStyle/>
           <a:p>
             <a:r>
-              <a:rPr lang="en-GB" dirty="0" err="1"/>
-              <a:t>Conculsion</a:t>
-            </a:r>
-            <a:endParaRPr lang="en-US" dirty="0"/>
-          </a:p>
-        </p:txBody>
-      </p:sp>
-      <p:sp>
-        <p:nvSpPr>
-          <p:cNvPr id="3" name="Content Placeholder 2">
+              <a:rPr lang="en-GB" dirty="0"/>
+              <a:t>Conclusion</a:t>
+            </a:r>
+            <a:endParaRPr lang="en-US" dirty="0"/>
+          </a:p>
+        </p:txBody>
+      </p:sp>
+      <p:sp>
+        <p:nvSpPr>
+          <p:cNvPr id="3" name="Text Placeholder 2">
             <a:extLst>
               <a:ext uri="{FF2B5EF4-FFF2-40B4-BE49-F238E27FC236}">
-                <a16:creationId xmlns:a16="http://schemas.microsoft.com/office/drawing/2014/main" id="{9A974476-A31B-41B4-A742-A7AC0E0B204D}"/>
+                <a16:creationId xmlns:a16="http://schemas.microsoft.com/office/drawing/2014/main" id="{DC2EB79D-151A-4F06-983A-4AE4A5CB5E5F}"/>
               </a:ext>
             </a:extLst>
           </p:cNvPr>
@@ -5061,145 +5412,22 @@
             <a:spLocks noGrp="1"/>
           </p:cNvSpPr>
           <p:nvPr>
-            <p:ph idx="1"/>
+            <p:ph type="body" idx="1"/>
           </p:nvPr>
         </p:nvSpPr>
         <p:spPr/>
         <p:txBody>
-          <a:bodyPr>
-            <a:normAutofit fontScale="85000" lnSpcReduction="20000"/>
-          </a:bodyPr>
-          <a:lstStyle/>
-          <a:p>
-            <a:pPr marL="0" indent="0">
-              <a:buNone/>
-            </a:pPr>
-            <a:r>
-              <a:rPr lang="en-GB" b="1" dirty="0"/>
-              <a:t>Types of Collisions</a:t>
-            </a:r>
-          </a:p>
-          <a:p>
-            <a:r>
-              <a:rPr lang="en-GB" dirty="0"/>
-              <a:t>Good level of initial insight on the distribution of the collisions based on Part 1 analysis</a:t>
-            </a:r>
-          </a:p>
-          <a:p>
-            <a:r>
-              <a:rPr lang="en-GB" dirty="0"/>
-              <a:t>Clearly shown that collisions are not evenly distributed across variables (except Time of Year) </a:t>
-            </a:r>
-          </a:p>
-          <a:p>
-            <a:r>
-              <a:rPr lang="en-GB" dirty="0"/>
-              <a:t>Deduced that more collisions happen under certain conditions</a:t>
-            </a:r>
-          </a:p>
-          <a:p>
-            <a:pPr marL="0" indent="0">
-              <a:buNone/>
-            </a:pPr>
-            <a:r>
-              <a:rPr lang="en-GB" dirty="0"/>
-              <a:t>BUT</a:t>
-            </a:r>
-          </a:p>
-          <a:p>
-            <a:r>
-              <a:rPr lang="en-GB" dirty="0"/>
-              <a:t>In the absence of broader underlying journey dataset and road conditions across </a:t>
-            </a:r>
-            <a:r>
-              <a:rPr lang="en-GB" b="1" u="sng" dirty="0"/>
-              <a:t>all</a:t>
-            </a:r>
-            <a:r>
-              <a:rPr lang="en-GB" b="1" dirty="0"/>
-              <a:t> </a:t>
-            </a:r>
-            <a:r>
-              <a:rPr lang="en-GB" dirty="0"/>
-              <a:t>journeys, not possible to definitively confirm if certain conditions are more likely to cause collisions for a given journey</a:t>
-            </a:r>
-          </a:p>
-          <a:p>
-            <a:endParaRPr lang="en-GB" dirty="0"/>
-          </a:p>
-          <a:p>
-            <a:pPr marL="0" indent="0">
-              <a:buNone/>
-            </a:pPr>
-            <a:r>
-              <a:rPr lang="en-GB" sz="2100" b="1" dirty="0"/>
-              <a:t>Severity of Collisions</a:t>
-            </a:r>
-          </a:p>
-          <a:p>
-            <a:r>
-              <a:rPr lang="en-GB" dirty="0"/>
-              <a:t>No specific conditions which will lead to a Severity 2 collision being more likely to happen than a Severity 1 collision</a:t>
-            </a:r>
-          </a:p>
-          <a:p>
-            <a:pPr marL="0" indent="0">
-              <a:buNone/>
-            </a:pPr>
-            <a:r>
-              <a:rPr lang="en-US" dirty="0"/>
-              <a:t>BUT</a:t>
-            </a:r>
-          </a:p>
-          <a:p>
-            <a:r>
-              <a:rPr lang="en-GB" dirty="0"/>
-              <a:t>Further analysis is merited to explore if other categories of data may yield a different result</a:t>
-            </a:r>
-            <a:endParaRPr lang="en-US" dirty="0"/>
-          </a:p>
-        </p:txBody>
-      </p:sp>
-      <p:cxnSp>
-        <p:nvCxnSpPr>
-          <p:cNvPr id="5" name="Straight Connector 4">
-            <a:extLst>
-              <a:ext uri="{FF2B5EF4-FFF2-40B4-BE49-F238E27FC236}">
-                <a16:creationId xmlns:a16="http://schemas.microsoft.com/office/drawing/2014/main" id="{67598EFC-C1DC-46BE-A494-9EE834564098}"/>
-              </a:ext>
-            </a:extLst>
-          </p:cNvPr>
-          <p:cNvCxnSpPr/>
-          <p:nvPr/>
-        </p:nvCxnSpPr>
-        <p:spPr>
-          <a:xfrm>
-            <a:off x="3900196" y="3900196"/>
-            <a:ext cx="7147249" cy="0"/>
-          </a:xfrm>
-          <a:prstGeom prst="line">
-            <a:avLst/>
-          </a:prstGeom>
-        </p:spPr>
-        <p:style>
-          <a:lnRef idx="1">
-            <a:schemeClr val="accent1"/>
-          </a:lnRef>
-          <a:fillRef idx="0">
-            <a:schemeClr val="accent1"/>
-          </a:fillRef>
-          <a:effectRef idx="0">
-            <a:schemeClr val="accent1"/>
-          </a:effectRef>
-          <a:fontRef idx="minor">
-            <a:schemeClr val="tx1"/>
-          </a:fontRef>
-        </p:style>
-      </p:cxnSp>
+          <a:bodyPr/>
+          <a:lstStyle/>
+          <a:p>
+            <a:endParaRPr lang="en-US"/>
+          </a:p>
+        </p:txBody>
+      </p:sp>
     </p:spTree>
     <p:extLst>
       <p:ext uri="{BB962C8B-B14F-4D97-AF65-F5344CB8AC3E}">
-        <p14:creationId xmlns:p14="http://schemas.microsoft.com/office/powerpoint/2010/main" val="1816631762"/>
+        <p14:creationId xmlns:p14="http://schemas.microsoft.com/office/powerpoint/2010/main" val="1489610933"/>
       </p:ext>
     </p:extLst>
   </p:cSld>
